--- a/Skripsi/Presentation2.pptx
+++ b/Skripsi/Presentation2.pptx
@@ -5,10 +5,10 @@
     <p:sldMasterId id="2147483685" r:id="rId4"/>
   </p:sldMasterIdLst>
   <p:notesMasterIdLst>
-    <p:notesMasterId r:id="rId25"/>
+    <p:notesMasterId r:id="rId26"/>
   </p:notesMasterIdLst>
   <p:handoutMasterIdLst>
-    <p:handoutMasterId r:id="rId26"/>
+    <p:handoutMasterId r:id="rId27"/>
   </p:handoutMasterIdLst>
   <p:sldIdLst>
     <p:sldId id="347" r:id="rId5"/>
@@ -30,7 +30,8 @@
     <p:sldId id="372" r:id="rId21"/>
     <p:sldId id="373" r:id="rId22"/>
     <p:sldId id="374" r:id="rId23"/>
-    <p:sldId id="363" r:id="rId24"/>
+    <p:sldId id="378" r:id="rId24"/>
+    <p:sldId id="377" r:id="rId25"/>
   </p:sldIdLst>
   <p:sldSz cx="12192000" cy="6858000"/>
   <p:notesSz cx="6858000" cy="9144000"/>
@@ -234,7 +235,7 @@
           <a:p>
             <a:fld id="{BB37BDEB-D08A-4BCC-82C3-65677B6346BB}" type="datetimeFigureOut">
               <a:rPr lang="en-US" smtClean="0"/>
-              <a:t>5/28/2021</a:t>
+              <a:t>9/26/2021</a:t>
             </a:fld>
             <a:endParaRPr lang="en-US"/>
           </a:p>
@@ -411,7 +412,7 @@
           <a:p>
             <a:fld id="{D64182BB-4E27-4552-8EE4-33C8EF731305}" type="datetimeFigureOut">
               <a:rPr lang="en-US" smtClean="0"/>
-              <a:t>5/28/2021</a:t>
+              <a:t>9/26/2021</a:t>
             </a:fld>
             <a:endParaRPr lang="en-US"/>
           </a:p>
@@ -1004,7 +1005,7 @@
           <a:p>
             <a:fld id="{ED291B17-9318-49DB-B28B-6E5994AE9581}" type="datetime1">
               <a:rPr lang="en-US" smtClean="0"/>
-              <a:t>5/28/2021</a:t>
+              <a:t>9/26/2021</a:t>
             </a:fld>
             <a:endParaRPr lang="en-US" dirty="0"/>
           </a:p>
@@ -1163,7 +1164,7 @@
           <a:p>
             <a:fld id="{4EDE50D6-574B-40AF-946F-D52A04ADE379}" type="datetime1">
               <a:rPr lang="en-US" smtClean="0"/>
-              <a:t>5/28/2021</a:t>
+              <a:t>9/26/2021</a:t>
             </a:fld>
             <a:endParaRPr lang="en-US" dirty="0"/>
           </a:p>
@@ -1575,7 +1576,7 @@
           <a:p>
             <a:fld id="{4EDE50D6-574B-40AF-946F-D52A04ADE379}" type="datetime1">
               <a:rPr lang="en-US" smtClean="0"/>
-              <a:t>5/28/2021</a:t>
+              <a:t>9/26/2021</a:t>
             </a:fld>
             <a:endParaRPr lang="en-US" dirty="0"/>
           </a:p>
@@ -2051,7 +2052,7 @@
           <a:p>
             <a:fld id="{4EDE50D6-574B-40AF-946F-D52A04ADE379}" type="datetime1">
               <a:rPr lang="en-US" smtClean="0"/>
-              <a:t>5/28/2021</a:t>
+              <a:t>9/26/2021</a:t>
             </a:fld>
             <a:endParaRPr lang="en-US" dirty="0"/>
           </a:p>
@@ -2500,7 +2501,7 @@
           <a:p>
             <a:fld id="{4EDE50D6-574B-40AF-946F-D52A04ADE379}" type="datetime1">
               <a:rPr lang="en-US" smtClean="0"/>
-              <a:t>5/28/2021</a:t>
+              <a:t>9/26/2021</a:t>
             </a:fld>
             <a:endParaRPr lang="en-US" dirty="0"/>
           </a:p>
@@ -2732,7 +2733,7 @@
           <a:p>
             <a:fld id="{4EDE50D6-574B-40AF-946F-D52A04ADE379}" type="datetime1">
               <a:rPr lang="en-US" noProof="0" smtClean="0"/>
-              <a:t>5/28/2021</a:t>
+              <a:t>9/26/2021</a:t>
             </a:fld>
             <a:endParaRPr lang="en-US" noProof="0"/>
           </a:p>
@@ -3430,7 +3431,7 @@
           <a:p>
             <a:fld id="{4EDE50D6-574B-40AF-946F-D52A04ADE379}" type="datetime1">
               <a:rPr lang="en-US" noProof="0" smtClean="0"/>
-              <a:t>5/28/2021</a:t>
+              <a:t>9/26/2021</a:t>
             </a:fld>
             <a:endParaRPr lang="en-US" noProof="0"/>
           </a:p>
@@ -3787,7 +3788,7 @@
           <a:p>
             <a:fld id="{4EDE50D6-574B-40AF-946F-D52A04ADE379}" type="datetime1">
               <a:rPr lang="en-US" noProof="0" smtClean="0"/>
-              <a:t>5/28/2021</a:t>
+              <a:t>9/26/2021</a:t>
             </a:fld>
             <a:endParaRPr lang="en-US" noProof="0"/>
           </a:p>
@@ -4349,7 +4350,7 @@
           <a:p>
             <a:fld id="{78DD82B9-B8EE-4375-B6FF-88FA6ABB15D9}" type="datetime1">
               <a:rPr lang="en-US" smtClean="0"/>
-              <a:t>5/28/2021</a:t>
+              <a:t>9/26/2021</a:t>
             </a:fld>
             <a:endParaRPr lang="en-US" dirty="0"/>
           </a:p>
@@ -4697,7 +4698,7 @@
           <a:p>
             <a:fld id="{78DD82B9-B8EE-4375-B6FF-88FA6ABB15D9}" type="datetime1">
               <a:rPr lang="en-US" smtClean="0"/>
-              <a:t>5/28/2021</a:t>
+              <a:t>9/26/2021</a:t>
             </a:fld>
             <a:endParaRPr lang="en-US" dirty="0"/>
           </a:p>
@@ -5100,7 +5101,7 @@
           <a:p>
             <a:fld id="{B2497495-0637-405E-AE64-5CC7506D51F5}" type="datetime1">
               <a:rPr lang="en-US" smtClean="0"/>
-              <a:t>5/28/2021</a:t>
+              <a:t>9/26/2021</a:t>
             </a:fld>
             <a:endParaRPr lang="en-US" dirty="0"/>
           </a:p>
@@ -5393,7 +5394,7 @@
           <a:p>
             <a:fld id="{7BFFD690-9426-415D-8B65-26881E07B2D4}" type="datetime1">
               <a:rPr lang="en-US" smtClean="0"/>
-              <a:t>5/28/2021</a:t>
+              <a:t>9/26/2021</a:t>
             </a:fld>
             <a:endParaRPr lang="en-US" dirty="0"/>
           </a:p>
@@ -5887,7 +5888,7 @@
           <a:p>
             <a:fld id="{04C4989A-474C-40DE-95B9-011C28B71673}" type="datetime1">
               <a:rPr lang="en-US" smtClean="0"/>
-              <a:t>5/28/2021</a:t>
+              <a:t>9/26/2021</a:t>
             </a:fld>
             <a:endParaRPr lang="en-US" dirty="0"/>
           </a:p>
@@ -6191,7 +6192,7 @@
           <a:p>
             <a:fld id="{5DB4ED54-5B5E-4A04-93D3-5772E3CE3818}" type="datetime1">
               <a:rPr lang="en-US" smtClean="0"/>
-              <a:t>5/28/2021</a:t>
+              <a:t>9/26/2021</a:t>
             </a:fld>
             <a:endParaRPr lang="en-US" dirty="0"/>
           </a:p>
@@ -6378,7 +6379,7 @@
           <a:p>
             <a:fld id="{4EDE50D6-574B-40AF-946F-D52A04ADE379}" type="datetime1">
               <a:rPr lang="en-US" smtClean="0"/>
-              <a:t>5/28/2021</a:t>
+              <a:t>9/26/2021</a:t>
             </a:fld>
             <a:endParaRPr lang="en-US" dirty="0"/>
           </a:p>
@@ -6590,7 +6591,7 @@
           <a:p>
             <a:fld id="{4EDE50D6-574B-40AF-946F-D52A04ADE379}" type="datetime1">
               <a:rPr lang="en-US" smtClean="0"/>
-              <a:t>5/28/2021</a:t>
+              <a:t>9/26/2021</a:t>
             </a:fld>
             <a:endParaRPr lang="en-US" dirty="0"/>
           </a:p>
@@ -7022,7 +7023,7 @@
           <a:p>
             <a:fld id="{ED291B17-9318-49DB-B28B-6E5994AE9581}" type="datetime1">
               <a:rPr lang="en-US" smtClean="0"/>
-              <a:t>5/28/2021</a:t>
+              <a:t>9/26/2021</a:t>
             </a:fld>
             <a:endParaRPr lang="en-US" dirty="0"/>
           </a:p>
@@ -10622,521 +10623,79 @@
           <a:chExt cx="0" cy="0"/>
         </a:xfrm>
       </p:grpSpPr>
-    </p:spTree>
-    <p:extLst>
-      <p:ext uri="{BB962C8B-B14F-4D97-AF65-F5344CB8AC3E}">
-        <p14:creationId xmlns:p14="http://schemas.microsoft.com/office/powerpoint/2010/main" val="1955287420"/>
-      </p:ext>
-    </p:extLst>
-  </p:cSld>
-  <p:clrMapOvr>
-    <a:masterClrMapping/>
-  </p:clrMapOvr>
-</p:sld>
-</file>
-
-<file path=ppt/slides/slide3.xml><?xml version="1.0" encoding="utf-8"?>
-<p:sld xmlns:a="http://schemas.openxmlformats.org/drawingml/2006/main" xmlns:r="http://schemas.openxmlformats.org/officeDocument/2006/relationships" xmlns:p="http://schemas.openxmlformats.org/presentationml/2006/main">
-  <p:cSld>
-    <p:spTree>
-      <p:nvGrpSpPr>
-        <p:cNvPr id="1" name=""/>
-        <p:cNvGrpSpPr/>
-        <p:nvPr/>
-      </p:nvGrpSpPr>
-      <p:grpSpPr>
-        <a:xfrm>
-          <a:off x="0" y="0"/>
-          <a:ext cx="0" cy="0"/>
-          <a:chOff x="0" y="0"/>
-          <a:chExt cx="0" cy="0"/>
-        </a:xfrm>
-      </p:grpSpPr>
-      <p:pic>
-        <p:nvPicPr>
-          <p:cNvPr id="24" name="Picture Placeholder 23" descr="A group of people sitting at a table discussing plans">
-            <a:extLst>
-              <a:ext uri="{FF2B5EF4-FFF2-40B4-BE49-F238E27FC236}">
-                <a16:creationId xmlns:a16="http://schemas.microsoft.com/office/drawing/2014/main" id="{159A91E2-8BD3-6745-856E-8FA7F232E12B}"/>
-              </a:ext>
-            </a:extLst>
-          </p:cNvPr>
-          <p:cNvPicPr>
-            <a:picLocks noGrp="1" noChangeAspect="1"/>
-          </p:cNvPicPr>
-          <p:nvPr>
-            <p:ph type="pic" sz="quarter" idx="13"/>
-          </p:nvPr>
-        </p:nvPicPr>
-        <p:blipFill>
-          <a:blip r:embed="rId2" cstate="email">
-            <a:extLst>
-              <a:ext uri="{28A0092B-C50C-407E-A947-70E740481C1C}">
-                <a14:useLocalDpi xmlns:a14="http://schemas.microsoft.com/office/drawing/2010/main"/>
-              </a:ext>
-            </a:extLst>
-          </a:blip>
-          <a:srcRect/>
-          <a:stretch>
-            <a:fillRect/>
-          </a:stretch>
-        </p:blipFill>
+      <p:sp>
+        <p:nvSpPr>
+          <p:cNvPr id="4" name="Title 3">
+            <a:extLst>
+              <a:ext uri="{FF2B5EF4-FFF2-40B4-BE49-F238E27FC236}">
+                <a16:creationId xmlns:a16="http://schemas.microsoft.com/office/drawing/2014/main" id="{53D55D3B-60A8-4853-9312-295533117D7C}"/>
+              </a:ext>
+            </a:extLst>
+          </p:cNvPr>
+          <p:cNvSpPr>
+            <a:spLocks noGrp="1"/>
+          </p:cNvSpPr>
+          <p:nvPr>
+            <p:ph type="title"/>
+          </p:nvPr>
+        </p:nvSpPr>
+        <p:spPr/>
+        <p:txBody>
+          <a:bodyPr/>
+          <a:lstStyle/>
+          <a:p>
+            <a:r>
+              <a:rPr lang="en-US" dirty="0"/>
+              <a:t>Analysis and design</a:t>
+            </a:r>
+          </a:p>
+        </p:txBody>
+      </p:sp>
+      <p:sp>
+        <p:nvSpPr>
+          <p:cNvPr id="5" name="Content Placeholder 4">
+            <a:extLst>
+              <a:ext uri="{FF2B5EF4-FFF2-40B4-BE49-F238E27FC236}">
+                <a16:creationId xmlns:a16="http://schemas.microsoft.com/office/drawing/2014/main" id="{148BDDEA-20B4-4135-95BA-5127D1661CE3}"/>
+              </a:ext>
+            </a:extLst>
+          </p:cNvPr>
+          <p:cNvSpPr>
+            <a:spLocks noGrp="1"/>
+          </p:cNvSpPr>
+          <p:nvPr>
+            <p:ph idx="1"/>
+          </p:nvPr>
+        </p:nvSpPr>
         <p:spPr>
           <a:xfrm>
-            <a:off x="5181599" y="0"/>
-            <a:ext cx="7010400" cy="6858000"/>
-          </a:xfrm>
-        </p:spPr>
-      </p:pic>
-      <p:sp>
-        <p:nvSpPr>
-          <p:cNvPr id="12" name="Content Placeholder 11">
-            <a:extLst>
-              <a:ext uri="{FF2B5EF4-FFF2-40B4-BE49-F238E27FC236}">
-                <a16:creationId xmlns:a16="http://schemas.microsoft.com/office/drawing/2014/main" id="{2F06A708-C428-8443-AB48-F60A95FF71FE}"/>
-              </a:ext>
-            </a:extLst>
-          </p:cNvPr>
-          <p:cNvSpPr>
-            <a:spLocks noGrp="1"/>
-          </p:cNvSpPr>
-          <p:nvPr>
-            <p:ph sz="half" idx="1"/>
-          </p:nvPr>
-        </p:nvSpPr>
-        <p:spPr/>
+            <a:off x="581192" y="1612418"/>
+            <a:ext cx="7178508" cy="4084474"/>
+          </a:xfrm>
+        </p:spPr>
         <p:txBody>
           <a:bodyPr>
             <a:normAutofit/>
           </a:bodyPr>
           <a:lstStyle/>
           <a:p>
-            <a:pPr marL="0" indent="0">
-              <a:buNone/>
+            <a:pPr marL="666900" lvl="1" indent="-342900">
+              <a:buFont typeface="+mj-lt"/>
+              <a:buAutoNum type="arabicPeriod"/>
             </a:pPr>
-            <a:r>
-              <a:rPr lang="en-US" sz="2400" dirty="0"/>
-              <a:t>Industry game is one of the biggest industries in this era. There are a lot of platform in Game industry such as WebGL, android, IOS, PC and etc. but mobile phone is the most and biggest device use in game industry. </a:t>
-            </a:r>
-          </a:p>
-        </p:txBody>
-      </p:sp>
-      <p:sp>
-        <p:nvSpPr>
-          <p:cNvPr id="11" name="Title 10">
-            <a:extLst>
-              <a:ext uri="{FF2B5EF4-FFF2-40B4-BE49-F238E27FC236}">
-                <a16:creationId xmlns:a16="http://schemas.microsoft.com/office/drawing/2014/main" id="{09B206E8-59BD-1B4C-8912-9A0443F96A4F}"/>
-              </a:ext>
-            </a:extLst>
-          </p:cNvPr>
-          <p:cNvSpPr>
-            <a:spLocks noGrp="1"/>
-          </p:cNvSpPr>
-          <p:nvPr>
-            <p:ph type="title"/>
-          </p:nvPr>
-        </p:nvSpPr>
-        <p:spPr/>
-        <p:txBody>
-          <a:bodyPr/>
-          <a:lstStyle/>
-          <a:p>
-            <a:r>
-              <a:rPr lang="en-US" dirty="0">
-                <a:sym typeface="Bodoni SvtyTwo ITC TT-Book"/>
-              </a:rPr>
-              <a:t>Background</a:t>
-            </a:r>
-            <a:br>
-              <a:rPr lang="en-US" dirty="0">
-                <a:sym typeface="Bodoni SvtyTwo ITC TT-Book"/>
-              </a:rPr>
-            </a:br>
-            <a:r>
-              <a:rPr lang="en-US" dirty="0">
-                <a:sym typeface="Bodoni SvtyTwo ITC TT-Book"/>
-              </a:rPr>
-              <a:t>study</a:t>
-            </a:r>
-          </a:p>
-        </p:txBody>
-      </p:sp>
-    </p:spTree>
-    <p:extLst>
-      <p:ext uri="{BB962C8B-B14F-4D97-AF65-F5344CB8AC3E}">
-        <p14:creationId xmlns:p14="http://schemas.microsoft.com/office/powerpoint/2010/main" val="3793086257"/>
-      </p:ext>
-    </p:extLst>
-  </p:cSld>
-  <p:clrMapOvr>
-    <a:masterClrMapping/>
-  </p:clrMapOvr>
-</p:sld>
-</file>
-
-<file path=ppt/slides/slide4.xml><?xml version="1.0" encoding="utf-8"?>
-<p:sld xmlns:a="http://schemas.openxmlformats.org/drawingml/2006/main" xmlns:r="http://schemas.openxmlformats.org/officeDocument/2006/relationships" xmlns:p="http://schemas.openxmlformats.org/presentationml/2006/main">
-  <p:cSld>
-    <p:spTree>
-      <p:nvGrpSpPr>
-        <p:cNvPr id="1" name=""/>
-        <p:cNvGrpSpPr/>
-        <p:nvPr/>
-      </p:nvGrpSpPr>
-      <p:grpSpPr>
-        <a:xfrm>
-          <a:off x="0" y="0"/>
-          <a:ext cx="0" cy="0"/>
-          <a:chOff x="0" y="0"/>
-          <a:chExt cx="0" cy="0"/>
-        </a:xfrm>
-      </p:grpSpPr>
-      <p:sp>
-        <p:nvSpPr>
-          <p:cNvPr id="5" name="Title 4">
-            <a:extLst>
-              <a:ext uri="{FF2B5EF4-FFF2-40B4-BE49-F238E27FC236}">
-                <a16:creationId xmlns:a16="http://schemas.microsoft.com/office/drawing/2014/main" id="{003ADF16-B507-49CE-9337-BE6A649D89A5}"/>
-              </a:ext>
-            </a:extLst>
-          </p:cNvPr>
-          <p:cNvSpPr>
-            <a:spLocks noGrp="1"/>
-          </p:cNvSpPr>
-          <p:nvPr>
-            <p:ph type="title"/>
-          </p:nvPr>
-        </p:nvSpPr>
-        <p:spPr/>
-        <p:txBody>
-          <a:bodyPr/>
-          <a:lstStyle/>
-          <a:p>
-            <a:r>
-              <a:rPr lang="en-US" dirty="0"/>
-              <a:t>Objective</a:t>
-            </a:r>
-          </a:p>
-        </p:txBody>
-      </p:sp>
-      <p:sp>
-        <p:nvSpPr>
-          <p:cNvPr id="6" name="Content Placeholder 5">
-            <a:extLst>
-              <a:ext uri="{FF2B5EF4-FFF2-40B4-BE49-F238E27FC236}">
-                <a16:creationId xmlns:a16="http://schemas.microsoft.com/office/drawing/2014/main" id="{A30B378F-A582-4F2F-BE28-4CCBB3D4320A}"/>
-              </a:ext>
-            </a:extLst>
-          </p:cNvPr>
-          <p:cNvSpPr>
-            <a:spLocks noGrp="1"/>
-          </p:cNvSpPr>
-          <p:nvPr>
-            <p:ph idx="1"/>
-          </p:nvPr>
-        </p:nvSpPr>
-        <p:spPr>
-          <a:xfrm>
-            <a:off x="581192" y="1890876"/>
-            <a:ext cx="11029616" cy="4084474"/>
-          </a:xfrm>
-        </p:spPr>
-        <p:txBody>
-          <a:bodyPr/>
-          <a:lstStyle/>
-          <a:p>
-            <a:r>
-              <a:rPr lang="en-ID" sz="2400" dirty="0">
-                <a:effectLst/>
-                <a:latin typeface="Arial" panose="020B0604020202020204" pitchFamily="34" charset="0"/>
-                <a:ea typeface="DengXian" panose="02010600030101010101" pitchFamily="2" charset="-122"/>
-                <a:cs typeface="Arial" panose="020B0604020202020204" pitchFamily="34" charset="0"/>
-              </a:rPr>
-              <a:t>The objective of this study is to provide an entertainment media for student in IT&amp;B Campus. This research also aims to increase or improve game development in IT&amp;B campus.</a:t>
-            </a:r>
             <a:r>
               <a:rPr lang="en-US" sz="2400" dirty="0">
                 <a:effectLst/>
                 <a:latin typeface="Arial" panose="020B0604020202020204" pitchFamily="34" charset="0"/>
-                <a:ea typeface="DengXian" panose="02010600030101010101" pitchFamily="2" charset="-122"/>
+                <a:ea typeface="DengXian" panose="020B0503020204020204" pitchFamily="2" charset="-122"/>
                 <a:cs typeface="Arial" panose="020B0604020202020204" pitchFamily="34" charset="0"/>
               </a:rPr>
-              <a:t> </a:t>
-            </a:r>
-          </a:p>
-          <a:p>
-            <a:r>
-              <a:rPr lang="en-US" sz="2400" dirty="0">
-                <a:effectLst/>
-                <a:latin typeface="Arial" panose="020B0604020202020204" pitchFamily="34" charset="0"/>
-                <a:ea typeface="DengXian" panose="02010600030101010101" pitchFamily="2" charset="-122"/>
-                <a:cs typeface="Arial" panose="020B0604020202020204" pitchFamily="34" charset="0"/>
-              </a:rPr>
-              <a:t>It provides a source of information on the latest market developments and trends that can be useful for a number of individuals and organizations, including school and university. </a:t>
-            </a:r>
-          </a:p>
-          <a:p>
-            <a:endParaRPr lang="en-US" dirty="0"/>
-          </a:p>
-        </p:txBody>
-      </p:sp>
-    </p:spTree>
-    <p:extLst>
-      <p:ext uri="{BB962C8B-B14F-4D97-AF65-F5344CB8AC3E}">
-        <p14:creationId xmlns:p14="http://schemas.microsoft.com/office/powerpoint/2010/main" val="1751104365"/>
-      </p:ext>
-    </p:extLst>
-  </p:cSld>
-  <p:clrMapOvr>
-    <a:masterClrMapping/>
-  </p:clrMapOvr>
-</p:sld>
-</file>
-
-<file path=ppt/slides/slide5.xml><?xml version="1.0" encoding="utf-8"?>
-<p:sld xmlns:a="http://schemas.openxmlformats.org/drawingml/2006/main" xmlns:r="http://schemas.openxmlformats.org/officeDocument/2006/relationships" xmlns:p="http://schemas.openxmlformats.org/presentationml/2006/main">
-  <p:cSld>
-    <p:spTree>
-      <p:nvGrpSpPr>
-        <p:cNvPr id="1" name=""/>
-        <p:cNvGrpSpPr/>
-        <p:nvPr/>
-      </p:nvGrpSpPr>
-      <p:grpSpPr>
-        <a:xfrm>
-          <a:off x="0" y="0"/>
-          <a:ext cx="0" cy="0"/>
-          <a:chOff x="0" y="0"/>
-          <a:chExt cx="0" cy="0"/>
-        </a:xfrm>
-      </p:grpSpPr>
-      <p:sp>
-        <p:nvSpPr>
-          <p:cNvPr id="3" name="Content Placeholder 2">
-            <a:extLst>
-              <a:ext uri="{FF2B5EF4-FFF2-40B4-BE49-F238E27FC236}">
-                <a16:creationId xmlns:a16="http://schemas.microsoft.com/office/drawing/2014/main" id="{7A0F00D2-09A8-4908-8D85-E3C66BAA26A7}"/>
-              </a:ext>
-            </a:extLst>
-          </p:cNvPr>
-          <p:cNvSpPr>
-            <a:spLocks noGrp="1"/>
-          </p:cNvSpPr>
-          <p:nvPr>
-            <p:ph sz="half" idx="1"/>
-          </p:nvPr>
-        </p:nvSpPr>
-        <p:spPr/>
-        <p:txBody>
-          <a:bodyPr>
-            <a:normAutofit/>
-          </a:bodyPr>
-          <a:lstStyle/>
-          <a:p>
-            <a:r>
-              <a:rPr lang="en-US" sz="2400" dirty="0">
-                <a:latin typeface="Arial" panose="020B0604020202020204" pitchFamily="34" charset="0"/>
-                <a:cs typeface="Arial" panose="020B0604020202020204" pitchFamily="34" charset="0"/>
-              </a:rPr>
-              <a:t>IT&amp;B student and environment, Game and source made for only IT&amp;B student and school.</a:t>
-            </a:r>
-          </a:p>
-        </p:txBody>
-      </p:sp>
-      <p:sp>
-        <p:nvSpPr>
-          <p:cNvPr id="5" name="Title 4">
-            <a:extLst>
-              <a:ext uri="{FF2B5EF4-FFF2-40B4-BE49-F238E27FC236}">
-                <a16:creationId xmlns:a16="http://schemas.microsoft.com/office/drawing/2014/main" id="{003ADF16-B507-49CE-9337-BE6A649D89A5}"/>
-              </a:ext>
-            </a:extLst>
-          </p:cNvPr>
-          <p:cNvSpPr>
-            <a:spLocks noGrp="1"/>
-          </p:cNvSpPr>
-          <p:nvPr>
-            <p:ph type="title"/>
-          </p:nvPr>
-        </p:nvSpPr>
-        <p:spPr/>
-        <p:txBody>
-          <a:bodyPr/>
-          <a:lstStyle/>
-          <a:p>
-            <a:r>
-              <a:rPr lang="en-US" dirty="0"/>
-              <a:t>Scope Of study</a:t>
-            </a:r>
-          </a:p>
-        </p:txBody>
-      </p:sp>
-      <p:pic>
-        <p:nvPicPr>
-          <p:cNvPr id="10" name="Picture 9">
-            <a:extLst>
-              <a:ext uri="{FF2B5EF4-FFF2-40B4-BE49-F238E27FC236}">
-                <a16:creationId xmlns:a16="http://schemas.microsoft.com/office/drawing/2014/main" id="{80D9946F-577C-4DC8-8197-4C84F2AC326B}"/>
-              </a:ext>
-            </a:extLst>
-          </p:cNvPr>
-          <p:cNvPicPr>
-            <a:picLocks noChangeAspect="1"/>
-          </p:cNvPicPr>
-          <p:nvPr/>
-        </p:nvPicPr>
-        <p:blipFill>
-          <a:blip r:embed="rId2"/>
-          <a:stretch>
-            <a:fillRect/>
-          </a:stretch>
-        </p:blipFill>
-        <p:spPr>
-          <a:xfrm>
-            <a:off x="6248400" y="2579741"/>
-            <a:ext cx="5232400" cy="1698518"/>
-          </a:xfrm>
-          <a:prstGeom prst="rect">
-            <a:avLst/>
-          </a:prstGeom>
-        </p:spPr>
-      </p:pic>
-    </p:spTree>
-    <p:extLst>
-      <p:ext uri="{BB962C8B-B14F-4D97-AF65-F5344CB8AC3E}">
-        <p14:creationId xmlns:p14="http://schemas.microsoft.com/office/powerpoint/2010/main" val="1369953818"/>
-      </p:ext>
-    </p:extLst>
-  </p:cSld>
-  <p:clrMapOvr>
-    <a:masterClrMapping/>
-  </p:clrMapOvr>
-</p:sld>
-</file>
-
-<file path=ppt/slides/slide6.xml><?xml version="1.0" encoding="utf-8"?>
-<p:sld xmlns:a="http://schemas.openxmlformats.org/drawingml/2006/main" xmlns:r="http://schemas.openxmlformats.org/officeDocument/2006/relationships" xmlns:p="http://schemas.openxmlformats.org/presentationml/2006/main">
-  <p:cSld>
-    <p:spTree>
-      <p:nvGrpSpPr>
-        <p:cNvPr id="1" name=""/>
-        <p:cNvGrpSpPr/>
-        <p:nvPr/>
-      </p:nvGrpSpPr>
-      <p:grpSpPr>
-        <a:xfrm>
-          <a:off x="0" y="0"/>
-          <a:ext cx="0" cy="0"/>
-          <a:chOff x="0" y="0"/>
-          <a:chExt cx="0" cy="0"/>
-        </a:xfrm>
-      </p:grpSpPr>
-      <p:sp>
-        <p:nvSpPr>
-          <p:cNvPr id="4" name="Title 3">
-            <a:extLst>
-              <a:ext uri="{FF2B5EF4-FFF2-40B4-BE49-F238E27FC236}">
-                <a16:creationId xmlns:a16="http://schemas.microsoft.com/office/drawing/2014/main" id="{53D55D3B-60A8-4853-9312-295533117D7C}"/>
-              </a:ext>
-            </a:extLst>
-          </p:cNvPr>
-          <p:cNvSpPr>
-            <a:spLocks noGrp="1"/>
-          </p:cNvSpPr>
-          <p:nvPr>
-            <p:ph type="title"/>
-          </p:nvPr>
-        </p:nvSpPr>
-        <p:spPr/>
-        <p:txBody>
-          <a:bodyPr/>
-          <a:lstStyle/>
-          <a:p>
-            <a:r>
-              <a:rPr lang="en-US" dirty="0"/>
-              <a:t>Analysis and design</a:t>
-            </a:r>
-          </a:p>
-        </p:txBody>
-      </p:sp>
-      <p:sp>
-        <p:nvSpPr>
-          <p:cNvPr id="5" name="Content Placeholder 4">
-            <a:extLst>
-              <a:ext uri="{FF2B5EF4-FFF2-40B4-BE49-F238E27FC236}">
-                <a16:creationId xmlns:a16="http://schemas.microsoft.com/office/drawing/2014/main" id="{148BDDEA-20B4-4135-95BA-5127D1661CE3}"/>
-              </a:ext>
-            </a:extLst>
-          </p:cNvPr>
-          <p:cNvSpPr>
-            <a:spLocks noGrp="1"/>
-          </p:cNvSpPr>
-          <p:nvPr>
-            <p:ph idx="1"/>
-          </p:nvPr>
-        </p:nvSpPr>
-        <p:spPr>
-          <a:xfrm>
-            <a:off x="715617" y="1969483"/>
-            <a:ext cx="6318388" cy="4084474"/>
-          </a:xfrm>
-        </p:spPr>
-        <p:txBody>
-          <a:bodyPr/>
-          <a:lstStyle/>
-          <a:p>
-            <a:r>
-              <a:rPr lang="en-US" sz="2400" dirty="0">
-                <a:latin typeface="Arial" panose="020B0604020202020204" pitchFamily="34" charset="0"/>
-                <a:cs typeface="Arial" panose="020B0604020202020204" pitchFamily="34" charset="0"/>
-              </a:rPr>
-              <a:t>Flowchart first scene of the game.</a:t>
-            </a:r>
-          </a:p>
-          <a:p>
+              <a:t>Chat room, is a feature that base on the title of research “to increase interaction between IT&amp;B Student”. </a:t>
+            </a:r>
             <a:endParaRPr lang="en-US" sz="2400" dirty="0">
               <a:latin typeface="Arial" panose="020B0604020202020204" pitchFamily="34" charset="0"/>
               <a:cs typeface="Arial" panose="020B0604020202020204" pitchFamily="34" charset="0"/>
             </a:endParaRPr>
-          </a:p>
-          <a:p>
-            <a:r>
-              <a:rPr lang="en-US" sz="2400" dirty="0">
-                <a:latin typeface="Arial" panose="020B0604020202020204" pitchFamily="34" charset="0"/>
-                <a:cs typeface="Arial" panose="020B0604020202020204" pitchFamily="34" charset="0"/>
-              </a:rPr>
-              <a:t>Main point :</a:t>
-            </a:r>
-          </a:p>
-          <a:p>
-            <a:pPr marL="666900" lvl="1" indent="-342900">
-              <a:buFont typeface="+mj-lt"/>
-              <a:buAutoNum type="arabicPeriod"/>
-            </a:pPr>
-            <a:r>
-              <a:rPr lang="en-US" sz="2200" dirty="0">
-                <a:latin typeface="Arial" panose="020B0604020202020204" pitchFamily="34" charset="0"/>
-                <a:cs typeface="Arial" panose="020B0604020202020204" pitchFamily="34" charset="0"/>
-              </a:rPr>
-              <a:t>Checking the internet connection </a:t>
-            </a:r>
-          </a:p>
-          <a:p>
-            <a:pPr marL="666900" lvl="1" indent="-342900">
-              <a:buFont typeface="+mj-lt"/>
-              <a:buAutoNum type="arabicPeriod"/>
-            </a:pPr>
-            <a:r>
-              <a:rPr lang="en-US" sz="2200" dirty="0">
-                <a:latin typeface="Arial" panose="020B0604020202020204" pitchFamily="34" charset="0"/>
-                <a:cs typeface="Arial" panose="020B0604020202020204" pitchFamily="34" charset="0"/>
-              </a:rPr>
-              <a:t>Checking device id and compare to server </a:t>
-            </a:r>
-          </a:p>
-          <a:p>
-            <a:endParaRPr lang="en-US" dirty="0"/>
           </a:p>
         </p:txBody>
       </p:sp>
@@ -11209,154 +10768,24 @@
           </a:p>
         </p:txBody>
       </p:sp>
-      <p:pic>
-        <p:nvPicPr>
-          <p:cNvPr id="3" name="Picture 2">
-            <a:extLst>
-              <a:ext uri="{FF2B5EF4-FFF2-40B4-BE49-F238E27FC236}">
-                <a16:creationId xmlns:a16="http://schemas.microsoft.com/office/drawing/2014/main" id="{8C6E1CF3-538E-4E90-8CEA-4CBD8E22E68A}"/>
-              </a:ext>
-            </a:extLst>
-          </p:cNvPr>
-          <p:cNvPicPr>
-            <a:picLocks noChangeAspect="1"/>
-          </p:cNvPicPr>
+      <p:sp>
+        <p:nvSpPr>
+          <p:cNvPr id="2" name="Rectangle 2">
+            <a:extLst>
+              <a:ext uri="{FF2B5EF4-FFF2-40B4-BE49-F238E27FC236}">
+                <a16:creationId xmlns:a16="http://schemas.microsoft.com/office/drawing/2014/main" id="{1E51FCC1-D719-4F57-81BF-84B3C63B2528}"/>
+              </a:ext>
+            </a:extLst>
+          </p:cNvPr>
+          <p:cNvSpPr>
+            <a:spLocks noChangeArrowheads="1"/>
+          </p:cNvSpPr>
           <p:nvPr/>
-        </p:nvPicPr>
-        <p:blipFill>
-          <a:blip r:embed="rId3"/>
-          <a:stretch>
-            <a:fillRect/>
-          </a:stretch>
-        </p:blipFill>
-        <p:spPr>
-          <a:xfrm>
-            <a:off x="6765154" y="320346"/>
-            <a:ext cx="5104953" cy="6323180"/>
-          </a:xfrm>
-          <a:prstGeom prst="rect">
-            <a:avLst/>
-          </a:prstGeom>
-        </p:spPr>
-      </p:pic>
-    </p:spTree>
-    <p:extLst>
-      <p:ext uri="{BB962C8B-B14F-4D97-AF65-F5344CB8AC3E}">
-        <p14:creationId xmlns:p14="http://schemas.microsoft.com/office/powerpoint/2010/main" val="3766439872"/>
-      </p:ext>
-    </p:extLst>
-  </p:cSld>
-  <p:clrMapOvr>
-    <a:masterClrMapping/>
-  </p:clrMapOvr>
-</p:sld>
-</file>
-
-<file path=ppt/slides/slide7.xml><?xml version="1.0" encoding="utf-8"?>
-<p:sld xmlns:a="http://schemas.openxmlformats.org/drawingml/2006/main" xmlns:r="http://schemas.openxmlformats.org/officeDocument/2006/relationships" xmlns:p="http://schemas.openxmlformats.org/presentationml/2006/main">
-  <p:cSld>
-    <p:spTree>
-      <p:nvGrpSpPr>
-        <p:cNvPr id="1" name=""/>
-        <p:cNvGrpSpPr/>
-        <p:nvPr/>
-      </p:nvGrpSpPr>
-      <p:grpSpPr>
-        <a:xfrm>
-          <a:off x="0" y="0"/>
-          <a:ext cx="0" cy="0"/>
-          <a:chOff x="0" y="0"/>
-          <a:chExt cx="0" cy="0"/>
-        </a:xfrm>
-      </p:grpSpPr>
-      <p:sp>
-        <p:nvSpPr>
-          <p:cNvPr id="4" name="Title 3">
-            <a:extLst>
-              <a:ext uri="{FF2B5EF4-FFF2-40B4-BE49-F238E27FC236}">
-                <a16:creationId xmlns:a16="http://schemas.microsoft.com/office/drawing/2014/main" id="{53D55D3B-60A8-4853-9312-295533117D7C}"/>
-              </a:ext>
-            </a:extLst>
-          </p:cNvPr>
-          <p:cNvSpPr>
-            <a:spLocks noGrp="1"/>
-          </p:cNvSpPr>
-          <p:nvPr>
-            <p:ph type="title"/>
-          </p:nvPr>
-        </p:nvSpPr>
-        <p:spPr/>
-        <p:txBody>
-          <a:bodyPr/>
-          <a:lstStyle/>
-          <a:p>
-            <a:r>
-              <a:rPr lang="en-US" dirty="0"/>
-              <a:t>Analysis and design</a:t>
-            </a:r>
-          </a:p>
-        </p:txBody>
-      </p:sp>
-      <p:sp>
-        <p:nvSpPr>
-          <p:cNvPr id="5" name="Content Placeholder 4">
-            <a:extLst>
-              <a:ext uri="{FF2B5EF4-FFF2-40B4-BE49-F238E27FC236}">
-                <a16:creationId xmlns:a16="http://schemas.microsoft.com/office/drawing/2014/main" id="{148BDDEA-20B4-4135-95BA-5127D1661CE3}"/>
-              </a:ext>
-            </a:extLst>
-          </p:cNvPr>
-          <p:cNvSpPr>
-            <a:spLocks noGrp="1"/>
-          </p:cNvSpPr>
-          <p:nvPr>
-            <p:ph idx="1"/>
-          </p:nvPr>
-        </p:nvSpPr>
-        <p:spPr>
+        </p:nvSpPr>
+        <p:spPr bwMode="auto">
           <a:xfrm>
             <a:off x="581192" y="1612418"/>
-            <a:ext cx="5862014" cy="4084474"/>
-          </a:xfrm>
-        </p:spPr>
-        <p:txBody>
-          <a:bodyPr/>
-          <a:lstStyle/>
-          <a:p>
-            <a:r>
-              <a:rPr lang="en-US" sz="2400" dirty="0">
-                <a:latin typeface="Arial" panose="020B0604020202020204" pitchFamily="34" charset="0"/>
-                <a:cs typeface="Arial" panose="020B0604020202020204" pitchFamily="34" charset="0"/>
-              </a:rPr>
-              <a:t>Flowchart Log In Scene</a:t>
-            </a:r>
-          </a:p>
-          <a:p>
-            <a:endParaRPr lang="en-US" sz="2400" dirty="0">
-              <a:latin typeface="Arial" panose="020B0604020202020204" pitchFamily="34" charset="0"/>
-              <a:cs typeface="Arial" panose="020B0604020202020204" pitchFamily="34" charset="0"/>
-            </a:endParaRPr>
-          </a:p>
-        </p:txBody>
-      </p:sp>
-      <p:sp>
-        <p:nvSpPr>
-          <p:cNvPr id="6" name="Rectangle 2">
-            <a:extLst>
-              <a:ext uri="{FF2B5EF4-FFF2-40B4-BE49-F238E27FC236}">
-                <a16:creationId xmlns:a16="http://schemas.microsoft.com/office/drawing/2014/main" id="{2DCB6482-9C06-480A-8A91-0225FDF67A69}"/>
-              </a:ext>
-            </a:extLst>
-          </p:cNvPr>
-          <p:cNvSpPr>
-            <a:spLocks noChangeArrowheads="1"/>
-          </p:cNvSpPr>
-          <p:nvPr/>
-        </p:nvSpPr>
-        <p:spPr bwMode="auto">
-          <a:xfrm>
-            <a:off x="715617" y="1335819"/>
-            <a:ext cx="12192000" cy="0"/>
+            <a:ext cx="13614178" cy="45719"/>
           </a:xfrm>
           <a:prstGeom prst="rect">
             <a:avLst/>
@@ -11396,7 +10825,7 @@
           </a:extLst>
         </p:spPr>
         <p:txBody>
-          <a:bodyPr vert="horz" wrap="none" lIns="91440" tIns="45720" rIns="91440" bIns="45720" numCol="1" anchor="ctr" anchorCtr="0" compatLnSpc="1">
+          <a:bodyPr vert="horz" wrap="square" lIns="91440" tIns="45720" rIns="91440" bIns="45720" numCol="1" anchor="ctr" anchorCtr="0" compatLnSpc="1">
             <a:prstTxWarp prst="textNoShape">
               <a:avLst/>
             </a:prstTxWarp>
@@ -11408,12 +10837,208 @@
           </a:p>
         </p:txBody>
       </p:sp>
-      <p:sp>
-        <p:nvSpPr>
-          <p:cNvPr id="2" name="Rectangle 2">
-            <a:extLst>
-              <a:ext uri="{FF2B5EF4-FFF2-40B4-BE49-F238E27FC236}">
-                <a16:creationId xmlns:a16="http://schemas.microsoft.com/office/drawing/2014/main" id="{1E51FCC1-D719-4F57-81BF-84B3C63B2528}"/>
+      <p:pic>
+        <p:nvPicPr>
+          <p:cNvPr id="7" name="Picture 6">
+            <a:extLst>
+              <a:ext uri="{FF2B5EF4-FFF2-40B4-BE49-F238E27FC236}">
+                <a16:creationId xmlns:a16="http://schemas.microsoft.com/office/drawing/2014/main" id="{DAAD161D-85D6-4C5D-8CB6-224764FC50F1}"/>
+              </a:ext>
+            </a:extLst>
+          </p:cNvPr>
+          <p:cNvPicPr/>
+          <p:nvPr/>
+        </p:nvPicPr>
+        <p:blipFill>
+          <a:blip r:embed="rId2">
+            <a:extLst>
+              <a:ext uri="{28A0092B-C50C-407E-A947-70E740481C1C}">
+                <a14:useLocalDpi xmlns:a14="http://schemas.microsoft.com/office/drawing/2010/main" val="0"/>
+              </a:ext>
+            </a:extLst>
+          </a:blip>
+          <a:srcRect/>
+          <a:stretch>
+            <a:fillRect/>
+          </a:stretch>
+        </p:blipFill>
+        <p:spPr bwMode="auto">
+          <a:xfrm>
+            <a:off x="8474392" y="1013460"/>
+            <a:ext cx="2901315" cy="4831080"/>
+          </a:xfrm>
+          <a:prstGeom prst="rect">
+            <a:avLst/>
+          </a:prstGeom>
+          <a:noFill/>
+          <a:ln>
+            <a:noFill/>
+          </a:ln>
+        </p:spPr>
+      </p:pic>
+    </p:spTree>
+    <p:extLst>
+      <p:ext uri="{BB962C8B-B14F-4D97-AF65-F5344CB8AC3E}">
+        <p14:creationId xmlns:p14="http://schemas.microsoft.com/office/powerpoint/2010/main" val="3504442189"/>
+      </p:ext>
+    </p:extLst>
+  </p:cSld>
+  <p:clrMapOvr>
+    <a:masterClrMapping/>
+  </p:clrMapOvr>
+</p:sld>
+</file>
+
+<file path=ppt/slides/slide21.xml><?xml version="1.0" encoding="utf-8"?>
+<p:sld xmlns:a="http://schemas.openxmlformats.org/drawingml/2006/main" xmlns:r="http://schemas.openxmlformats.org/officeDocument/2006/relationships" xmlns:p="http://schemas.openxmlformats.org/presentationml/2006/main">
+  <p:cSld>
+    <p:spTree>
+      <p:nvGrpSpPr>
+        <p:cNvPr id="1" name=""/>
+        <p:cNvGrpSpPr/>
+        <p:nvPr/>
+      </p:nvGrpSpPr>
+      <p:grpSpPr>
+        <a:xfrm>
+          <a:off x="0" y="0"/>
+          <a:ext cx="0" cy="0"/>
+          <a:chOff x="0" y="0"/>
+          <a:chExt cx="0" cy="0"/>
+        </a:xfrm>
+      </p:grpSpPr>
+      <p:sp>
+        <p:nvSpPr>
+          <p:cNvPr id="4" name="Title 3">
+            <a:extLst>
+              <a:ext uri="{FF2B5EF4-FFF2-40B4-BE49-F238E27FC236}">
+                <a16:creationId xmlns:a16="http://schemas.microsoft.com/office/drawing/2014/main" id="{53D55D3B-60A8-4853-9312-295533117D7C}"/>
+              </a:ext>
+            </a:extLst>
+          </p:cNvPr>
+          <p:cNvSpPr>
+            <a:spLocks noGrp="1"/>
+          </p:cNvSpPr>
+          <p:nvPr>
+            <p:ph type="title"/>
+          </p:nvPr>
+        </p:nvSpPr>
+        <p:spPr/>
+        <p:txBody>
+          <a:bodyPr>
+            <a:normAutofit fontScale="90000"/>
+          </a:bodyPr>
+          <a:lstStyle/>
+          <a:p>
+            <a:pPr lvl="0" algn="just">
+              <a:lnSpc>
+                <a:spcPct val="200000"/>
+              </a:lnSpc>
+              <a:buSzPts val="1600"/>
+            </a:pPr>
+            <a:r>
+              <a:rPr lang="en-US" sz="3600" b="1" dirty="0">
+                <a:effectLst/>
+                <a:latin typeface="Calibri" panose="020F0502020204030204" pitchFamily="34" charset="0"/>
+                <a:ea typeface="DengXian" panose="020B0503020204020204" pitchFamily="2" charset="-122"/>
+                <a:cs typeface="Times New Roman" panose="02020603050405020304" pitchFamily="18" charset="0"/>
+              </a:rPr>
+              <a:t>Suggestion</a:t>
+            </a:r>
+            <a:endParaRPr lang="en-ID" sz="2400" dirty="0">
+              <a:effectLst/>
+              <a:latin typeface="Calibri" panose="020F0502020204030204" pitchFamily="34" charset="0"/>
+              <a:ea typeface="DengXian" panose="020B0503020204020204" pitchFamily="2" charset="-122"/>
+              <a:cs typeface="Times New Roman" panose="02020603050405020304" pitchFamily="18" charset="0"/>
+            </a:endParaRPr>
+          </a:p>
+        </p:txBody>
+      </p:sp>
+      <p:sp>
+        <p:nvSpPr>
+          <p:cNvPr id="5" name="Content Placeholder 4">
+            <a:extLst>
+              <a:ext uri="{FF2B5EF4-FFF2-40B4-BE49-F238E27FC236}">
+                <a16:creationId xmlns:a16="http://schemas.microsoft.com/office/drawing/2014/main" id="{148BDDEA-20B4-4135-95BA-5127D1661CE3}"/>
+              </a:ext>
+            </a:extLst>
+          </p:cNvPr>
+          <p:cNvSpPr>
+            <a:spLocks noGrp="1"/>
+          </p:cNvSpPr>
+          <p:nvPr>
+            <p:ph idx="1"/>
+          </p:nvPr>
+        </p:nvSpPr>
+        <p:spPr>
+          <a:xfrm>
+            <a:off x="581191" y="1612418"/>
+            <a:ext cx="10343983" cy="4084474"/>
+          </a:xfrm>
+        </p:spPr>
+        <p:txBody>
+          <a:bodyPr>
+            <a:normAutofit fontScale="92500" lnSpcReduction="10000"/>
+          </a:bodyPr>
+          <a:lstStyle/>
+          <a:p>
+            <a:pPr marL="342900" lvl="0" indent="-342900" algn="just">
+              <a:lnSpc>
+                <a:spcPct val="200000"/>
+              </a:lnSpc>
+              <a:buFont typeface="+mj-lt"/>
+              <a:buAutoNum type="arabicPeriod"/>
+            </a:pPr>
+            <a:r>
+              <a:rPr lang="en-US" sz="2400" dirty="0">
+                <a:effectLst/>
+                <a:latin typeface="Times New Roman" panose="02020603050405020304" pitchFamily="18" charset="0"/>
+                <a:ea typeface="DengXian" panose="020B0503020204020204" pitchFamily="2" charset="-122"/>
+                <a:cs typeface="Times New Roman" panose="02020603050405020304" pitchFamily="18" charset="0"/>
+              </a:rPr>
+              <a:t>Team work in game programming is very important, every individual have their own talent. To gather every talent into one group base on the requirement in conclusion will increase their ability.</a:t>
+            </a:r>
+            <a:endParaRPr lang="en-ID" sz="2000" dirty="0">
+              <a:effectLst/>
+              <a:latin typeface="Calibri" panose="020F0502020204030204" pitchFamily="34" charset="0"/>
+              <a:ea typeface="DengXian" panose="020B0503020204020204" pitchFamily="2" charset="-122"/>
+              <a:cs typeface="Times New Roman" panose="02020603050405020304" pitchFamily="18" charset="0"/>
+            </a:endParaRPr>
+          </a:p>
+          <a:p>
+            <a:pPr marL="342900" lvl="0" indent="-342900" algn="just">
+              <a:lnSpc>
+                <a:spcPct val="200000"/>
+              </a:lnSpc>
+              <a:spcAft>
+                <a:spcPts val="800"/>
+              </a:spcAft>
+              <a:buFont typeface="+mj-lt"/>
+              <a:buAutoNum type="arabicPeriod"/>
+            </a:pPr>
+            <a:r>
+              <a:rPr lang="en-US" sz="2400" dirty="0">
+                <a:effectLst/>
+                <a:latin typeface="Times New Roman" panose="02020603050405020304" pitchFamily="18" charset="0"/>
+                <a:ea typeface="DengXian" panose="020B0503020204020204" pitchFamily="2" charset="-122"/>
+                <a:cs typeface="Times New Roman" panose="02020603050405020304" pitchFamily="18" charset="0"/>
+              </a:rPr>
+              <a:t>Learning Game programming is new step for IT&amp;B campus, but the market of game programming is very big , a lot of competitor and a lot of requirement to be success in this field.</a:t>
+            </a:r>
+            <a:endParaRPr lang="en-ID" sz="2000" dirty="0">
+              <a:effectLst/>
+              <a:latin typeface="Calibri" panose="020F0502020204030204" pitchFamily="34" charset="0"/>
+              <a:ea typeface="DengXian" panose="020B0503020204020204" pitchFamily="2" charset="-122"/>
+              <a:cs typeface="Times New Roman" panose="02020603050405020304" pitchFamily="18" charset="0"/>
+            </a:endParaRPr>
+          </a:p>
+        </p:txBody>
+      </p:sp>
+      <p:sp>
+        <p:nvSpPr>
+          <p:cNvPr id="6" name="Rectangle 2">
+            <a:extLst>
+              <a:ext uri="{FF2B5EF4-FFF2-40B4-BE49-F238E27FC236}">
+                <a16:creationId xmlns:a16="http://schemas.microsoft.com/office/drawing/2014/main" id="{2DCB6482-9C06-480A-8A91-0225FDF67A69}"/>
               </a:ext>
             </a:extLst>
           </p:cNvPr>
@@ -11424,8 +11049,8 @@
         </p:nvSpPr>
         <p:spPr bwMode="auto">
           <a:xfrm>
-            <a:off x="581192" y="1612418"/>
-            <a:ext cx="13614178" cy="45719"/>
+            <a:off x="715617" y="1335819"/>
+            <a:ext cx="12192000" cy="0"/>
           </a:xfrm>
           <a:prstGeom prst="rect">
             <a:avLst/>
@@ -11465,6 +11090,930 @@
           </a:extLst>
         </p:spPr>
         <p:txBody>
+          <a:bodyPr vert="horz" wrap="none" lIns="91440" tIns="45720" rIns="91440" bIns="45720" numCol="1" anchor="ctr" anchorCtr="0" compatLnSpc="1">
+            <a:prstTxWarp prst="textNoShape">
+              <a:avLst/>
+            </a:prstTxWarp>
+            <a:spAutoFit/>
+          </a:bodyPr>
+          <a:lstStyle/>
+          <a:p>
+            <a:endParaRPr lang="en-US"/>
+          </a:p>
+        </p:txBody>
+      </p:sp>
+      <p:sp>
+        <p:nvSpPr>
+          <p:cNvPr id="2" name="Rectangle 2">
+            <a:extLst>
+              <a:ext uri="{FF2B5EF4-FFF2-40B4-BE49-F238E27FC236}">
+                <a16:creationId xmlns:a16="http://schemas.microsoft.com/office/drawing/2014/main" id="{1E51FCC1-D719-4F57-81BF-84B3C63B2528}"/>
+              </a:ext>
+            </a:extLst>
+          </p:cNvPr>
+          <p:cNvSpPr>
+            <a:spLocks noChangeArrowheads="1"/>
+          </p:cNvSpPr>
+          <p:nvPr/>
+        </p:nvSpPr>
+        <p:spPr bwMode="auto">
+          <a:xfrm>
+            <a:off x="581192" y="1612418"/>
+            <a:ext cx="13614178" cy="45719"/>
+          </a:xfrm>
+          <a:prstGeom prst="rect">
+            <a:avLst/>
+          </a:prstGeom>
+          <a:noFill/>
+          <a:ln>
+            <a:noFill/>
+          </a:ln>
+          <a:effectLst/>
+          <a:extLst>
+            <a:ext uri="{909E8E84-426E-40DD-AFC4-6F175D3DCCD1}">
+              <a14:hiddenFill xmlns:a14="http://schemas.microsoft.com/office/drawing/2010/main">
+                <a:solidFill>
+                  <a:schemeClr val="accent1"/>
+                </a:solidFill>
+              </a14:hiddenFill>
+            </a:ext>
+            <a:ext uri="{91240B29-F687-4F45-9708-019B960494DF}">
+              <a14:hiddenLine xmlns:a14="http://schemas.microsoft.com/office/drawing/2010/main" w="9525">
+                <a:solidFill>
+                  <a:schemeClr val="tx1"/>
+                </a:solidFill>
+                <a:miter lim="800000"/>
+                <a:headEnd/>
+                <a:tailEnd/>
+              </a14:hiddenLine>
+            </a:ext>
+            <a:ext uri="{AF507438-7753-43E0-B8FC-AC1667EBCBE1}">
+              <a14:hiddenEffects xmlns:a14="http://schemas.microsoft.com/office/drawing/2010/main">
+                <a:effectLst>
+                  <a:outerShdw dist="35921" dir="2700000" algn="ctr" rotWithShape="0">
+                    <a:schemeClr val="bg2"/>
+                  </a:outerShdw>
+                </a:effectLst>
+              </a14:hiddenEffects>
+            </a:ext>
+          </a:extLst>
+        </p:spPr>
+        <p:txBody>
+          <a:bodyPr vert="horz" wrap="square" lIns="91440" tIns="45720" rIns="91440" bIns="45720" numCol="1" anchor="ctr" anchorCtr="0" compatLnSpc="1">
+            <a:prstTxWarp prst="textNoShape">
+              <a:avLst/>
+            </a:prstTxWarp>
+            <a:spAutoFit/>
+          </a:bodyPr>
+          <a:lstStyle/>
+          <a:p>
+            <a:endParaRPr lang="en-US"/>
+          </a:p>
+        </p:txBody>
+      </p:sp>
+    </p:spTree>
+    <p:extLst>
+      <p:ext uri="{BB962C8B-B14F-4D97-AF65-F5344CB8AC3E}">
+        <p14:creationId xmlns:p14="http://schemas.microsoft.com/office/powerpoint/2010/main" val="1904840084"/>
+      </p:ext>
+    </p:extLst>
+  </p:cSld>
+  <p:clrMapOvr>
+    <a:masterClrMapping/>
+  </p:clrMapOvr>
+</p:sld>
+</file>
+
+<file path=ppt/slides/slide3.xml><?xml version="1.0" encoding="utf-8"?>
+<p:sld xmlns:a="http://schemas.openxmlformats.org/drawingml/2006/main" xmlns:r="http://schemas.openxmlformats.org/officeDocument/2006/relationships" xmlns:p="http://schemas.openxmlformats.org/presentationml/2006/main">
+  <p:cSld>
+    <p:spTree>
+      <p:nvGrpSpPr>
+        <p:cNvPr id="1" name=""/>
+        <p:cNvGrpSpPr/>
+        <p:nvPr/>
+      </p:nvGrpSpPr>
+      <p:grpSpPr>
+        <a:xfrm>
+          <a:off x="0" y="0"/>
+          <a:ext cx="0" cy="0"/>
+          <a:chOff x="0" y="0"/>
+          <a:chExt cx="0" cy="0"/>
+        </a:xfrm>
+      </p:grpSpPr>
+      <p:pic>
+        <p:nvPicPr>
+          <p:cNvPr id="24" name="Picture Placeholder 23" descr="A group of people sitting at a table discussing plans">
+            <a:extLst>
+              <a:ext uri="{FF2B5EF4-FFF2-40B4-BE49-F238E27FC236}">
+                <a16:creationId xmlns:a16="http://schemas.microsoft.com/office/drawing/2014/main" id="{159A91E2-8BD3-6745-856E-8FA7F232E12B}"/>
+              </a:ext>
+            </a:extLst>
+          </p:cNvPr>
+          <p:cNvPicPr>
+            <a:picLocks noGrp="1" noChangeAspect="1"/>
+          </p:cNvPicPr>
+          <p:nvPr>
+            <p:ph type="pic" sz="quarter" idx="13"/>
+          </p:nvPr>
+        </p:nvPicPr>
+        <p:blipFill>
+          <a:blip r:embed="rId2" cstate="email">
+            <a:extLst>
+              <a:ext uri="{28A0092B-C50C-407E-A947-70E740481C1C}">
+                <a14:useLocalDpi xmlns:a14="http://schemas.microsoft.com/office/drawing/2010/main"/>
+              </a:ext>
+            </a:extLst>
+          </a:blip>
+          <a:srcRect/>
+          <a:stretch>
+            <a:fillRect/>
+          </a:stretch>
+        </p:blipFill>
+        <p:spPr>
+          <a:xfrm>
+            <a:off x="5181599" y="0"/>
+            <a:ext cx="7010400" cy="6858000"/>
+          </a:xfrm>
+        </p:spPr>
+      </p:pic>
+      <p:sp>
+        <p:nvSpPr>
+          <p:cNvPr id="12" name="Content Placeholder 11">
+            <a:extLst>
+              <a:ext uri="{FF2B5EF4-FFF2-40B4-BE49-F238E27FC236}">
+                <a16:creationId xmlns:a16="http://schemas.microsoft.com/office/drawing/2014/main" id="{2F06A708-C428-8443-AB48-F60A95FF71FE}"/>
+              </a:ext>
+            </a:extLst>
+          </p:cNvPr>
+          <p:cNvSpPr>
+            <a:spLocks noGrp="1"/>
+          </p:cNvSpPr>
+          <p:nvPr>
+            <p:ph sz="half" idx="1"/>
+          </p:nvPr>
+        </p:nvSpPr>
+        <p:spPr/>
+        <p:txBody>
+          <a:bodyPr>
+            <a:normAutofit/>
+          </a:bodyPr>
+          <a:lstStyle/>
+          <a:p>
+            <a:pPr marL="0" indent="0">
+              <a:buNone/>
+            </a:pPr>
+            <a:r>
+              <a:rPr lang="en-US" sz="2400" dirty="0"/>
+              <a:t>Industry game is one of the biggest industries in this era. There are a lot of platform in Game industry such as WebGL, android, IOS, PC and etc. but mobile phone is the most and biggest device use in game industry. </a:t>
+            </a:r>
+          </a:p>
+        </p:txBody>
+      </p:sp>
+      <p:sp>
+        <p:nvSpPr>
+          <p:cNvPr id="11" name="Title 10">
+            <a:extLst>
+              <a:ext uri="{FF2B5EF4-FFF2-40B4-BE49-F238E27FC236}">
+                <a16:creationId xmlns:a16="http://schemas.microsoft.com/office/drawing/2014/main" id="{09B206E8-59BD-1B4C-8912-9A0443F96A4F}"/>
+              </a:ext>
+            </a:extLst>
+          </p:cNvPr>
+          <p:cNvSpPr>
+            <a:spLocks noGrp="1"/>
+          </p:cNvSpPr>
+          <p:nvPr>
+            <p:ph type="title"/>
+          </p:nvPr>
+        </p:nvSpPr>
+        <p:spPr/>
+        <p:txBody>
+          <a:bodyPr/>
+          <a:lstStyle/>
+          <a:p>
+            <a:r>
+              <a:rPr lang="en-US" dirty="0">
+                <a:sym typeface="Bodoni SvtyTwo ITC TT-Book"/>
+              </a:rPr>
+              <a:t>Background</a:t>
+            </a:r>
+            <a:br>
+              <a:rPr lang="en-US" dirty="0">
+                <a:sym typeface="Bodoni SvtyTwo ITC TT-Book"/>
+              </a:rPr>
+            </a:br>
+            <a:r>
+              <a:rPr lang="en-US" dirty="0">
+                <a:sym typeface="Bodoni SvtyTwo ITC TT-Book"/>
+              </a:rPr>
+              <a:t>study</a:t>
+            </a:r>
+          </a:p>
+        </p:txBody>
+      </p:sp>
+    </p:spTree>
+    <p:extLst>
+      <p:ext uri="{BB962C8B-B14F-4D97-AF65-F5344CB8AC3E}">
+        <p14:creationId xmlns:p14="http://schemas.microsoft.com/office/powerpoint/2010/main" val="3793086257"/>
+      </p:ext>
+    </p:extLst>
+  </p:cSld>
+  <p:clrMapOvr>
+    <a:masterClrMapping/>
+  </p:clrMapOvr>
+</p:sld>
+</file>
+
+<file path=ppt/slides/slide4.xml><?xml version="1.0" encoding="utf-8"?>
+<p:sld xmlns:a="http://schemas.openxmlformats.org/drawingml/2006/main" xmlns:r="http://schemas.openxmlformats.org/officeDocument/2006/relationships" xmlns:p="http://schemas.openxmlformats.org/presentationml/2006/main">
+  <p:cSld>
+    <p:spTree>
+      <p:nvGrpSpPr>
+        <p:cNvPr id="1" name=""/>
+        <p:cNvGrpSpPr/>
+        <p:nvPr/>
+      </p:nvGrpSpPr>
+      <p:grpSpPr>
+        <a:xfrm>
+          <a:off x="0" y="0"/>
+          <a:ext cx="0" cy="0"/>
+          <a:chOff x="0" y="0"/>
+          <a:chExt cx="0" cy="0"/>
+        </a:xfrm>
+      </p:grpSpPr>
+      <p:sp>
+        <p:nvSpPr>
+          <p:cNvPr id="5" name="Title 4">
+            <a:extLst>
+              <a:ext uri="{FF2B5EF4-FFF2-40B4-BE49-F238E27FC236}">
+                <a16:creationId xmlns:a16="http://schemas.microsoft.com/office/drawing/2014/main" id="{003ADF16-B507-49CE-9337-BE6A649D89A5}"/>
+              </a:ext>
+            </a:extLst>
+          </p:cNvPr>
+          <p:cNvSpPr>
+            <a:spLocks noGrp="1"/>
+          </p:cNvSpPr>
+          <p:nvPr>
+            <p:ph type="title"/>
+          </p:nvPr>
+        </p:nvSpPr>
+        <p:spPr/>
+        <p:txBody>
+          <a:bodyPr/>
+          <a:lstStyle/>
+          <a:p>
+            <a:r>
+              <a:rPr lang="en-US" dirty="0"/>
+              <a:t>Objective</a:t>
+            </a:r>
+          </a:p>
+        </p:txBody>
+      </p:sp>
+      <p:sp>
+        <p:nvSpPr>
+          <p:cNvPr id="6" name="Content Placeholder 5">
+            <a:extLst>
+              <a:ext uri="{FF2B5EF4-FFF2-40B4-BE49-F238E27FC236}">
+                <a16:creationId xmlns:a16="http://schemas.microsoft.com/office/drawing/2014/main" id="{A30B378F-A582-4F2F-BE28-4CCBB3D4320A}"/>
+              </a:ext>
+            </a:extLst>
+          </p:cNvPr>
+          <p:cNvSpPr>
+            <a:spLocks noGrp="1"/>
+          </p:cNvSpPr>
+          <p:nvPr>
+            <p:ph idx="1"/>
+          </p:nvPr>
+        </p:nvSpPr>
+        <p:spPr>
+          <a:xfrm>
+            <a:off x="581192" y="1890876"/>
+            <a:ext cx="11029616" cy="4084474"/>
+          </a:xfrm>
+        </p:spPr>
+        <p:txBody>
+          <a:bodyPr/>
+          <a:lstStyle/>
+          <a:p>
+            <a:r>
+              <a:rPr lang="en-ID" sz="2400" dirty="0">
+                <a:effectLst/>
+                <a:latin typeface="Arial" panose="020B0604020202020204" pitchFamily="34" charset="0"/>
+                <a:ea typeface="DengXian" panose="02010600030101010101" pitchFamily="2" charset="-122"/>
+                <a:cs typeface="Arial" panose="020B0604020202020204" pitchFamily="34" charset="0"/>
+              </a:rPr>
+              <a:t>The objective of this study is to provide an entertainment media for student in IT&amp;B Campus. This research also aims to increase or improve game development in IT&amp;B campus.</a:t>
+            </a:r>
+            <a:r>
+              <a:rPr lang="en-US" sz="2400" dirty="0">
+                <a:effectLst/>
+                <a:latin typeface="Arial" panose="020B0604020202020204" pitchFamily="34" charset="0"/>
+                <a:ea typeface="DengXian" panose="02010600030101010101" pitchFamily="2" charset="-122"/>
+                <a:cs typeface="Arial" panose="020B0604020202020204" pitchFamily="34" charset="0"/>
+              </a:rPr>
+              <a:t> </a:t>
+            </a:r>
+          </a:p>
+          <a:p>
+            <a:r>
+              <a:rPr lang="en-US" sz="2400" dirty="0">
+                <a:effectLst/>
+                <a:latin typeface="Arial" panose="020B0604020202020204" pitchFamily="34" charset="0"/>
+                <a:ea typeface="DengXian" panose="02010600030101010101" pitchFamily="2" charset="-122"/>
+                <a:cs typeface="Arial" panose="020B0604020202020204" pitchFamily="34" charset="0"/>
+              </a:rPr>
+              <a:t>It provides a source of information on the latest market developments and trends that can be useful for a number of individuals and organizations, including school and university. </a:t>
+            </a:r>
+          </a:p>
+          <a:p>
+            <a:endParaRPr lang="en-US" dirty="0"/>
+          </a:p>
+        </p:txBody>
+      </p:sp>
+    </p:spTree>
+    <p:extLst>
+      <p:ext uri="{BB962C8B-B14F-4D97-AF65-F5344CB8AC3E}">
+        <p14:creationId xmlns:p14="http://schemas.microsoft.com/office/powerpoint/2010/main" val="1751104365"/>
+      </p:ext>
+    </p:extLst>
+  </p:cSld>
+  <p:clrMapOvr>
+    <a:masterClrMapping/>
+  </p:clrMapOvr>
+</p:sld>
+</file>
+
+<file path=ppt/slides/slide5.xml><?xml version="1.0" encoding="utf-8"?>
+<p:sld xmlns:a="http://schemas.openxmlformats.org/drawingml/2006/main" xmlns:r="http://schemas.openxmlformats.org/officeDocument/2006/relationships" xmlns:p="http://schemas.openxmlformats.org/presentationml/2006/main">
+  <p:cSld>
+    <p:spTree>
+      <p:nvGrpSpPr>
+        <p:cNvPr id="1" name=""/>
+        <p:cNvGrpSpPr/>
+        <p:nvPr/>
+      </p:nvGrpSpPr>
+      <p:grpSpPr>
+        <a:xfrm>
+          <a:off x="0" y="0"/>
+          <a:ext cx="0" cy="0"/>
+          <a:chOff x="0" y="0"/>
+          <a:chExt cx="0" cy="0"/>
+        </a:xfrm>
+      </p:grpSpPr>
+      <p:sp>
+        <p:nvSpPr>
+          <p:cNvPr id="3" name="Content Placeholder 2">
+            <a:extLst>
+              <a:ext uri="{FF2B5EF4-FFF2-40B4-BE49-F238E27FC236}">
+                <a16:creationId xmlns:a16="http://schemas.microsoft.com/office/drawing/2014/main" id="{7A0F00D2-09A8-4908-8D85-E3C66BAA26A7}"/>
+              </a:ext>
+            </a:extLst>
+          </p:cNvPr>
+          <p:cNvSpPr>
+            <a:spLocks noGrp="1"/>
+          </p:cNvSpPr>
+          <p:nvPr>
+            <p:ph sz="half" idx="1"/>
+          </p:nvPr>
+        </p:nvSpPr>
+        <p:spPr/>
+        <p:txBody>
+          <a:bodyPr>
+            <a:normAutofit/>
+          </a:bodyPr>
+          <a:lstStyle/>
+          <a:p>
+            <a:r>
+              <a:rPr lang="en-US" sz="2400" dirty="0">
+                <a:latin typeface="Arial" panose="020B0604020202020204" pitchFamily="34" charset="0"/>
+                <a:cs typeface="Arial" panose="020B0604020202020204" pitchFamily="34" charset="0"/>
+              </a:rPr>
+              <a:t>IT&amp;B student and environment, Game and source made for only IT&amp;B student and school.</a:t>
+            </a:r>
+          </a:p>
+        </p:txBody>
+      </p:sp>
+      <p:sp>
+        <p:nvSpPr>
+          <p:cNvPr id="5" name="Title 4">
+            <a:extLst>
+              <a:ext uri="{FF2B5EF4-FFF2-40B4-BE49-F238E27FC236}">
+                <a16:creationId xmlns:a16="http://schemas.microsoft.com/office/drawing/2014/main" id="{003ADF16-B507-49CE-9337-BE6A649D89A5}"/>
+              </a:ext>
+            </a:extLst>
+          </p:cNvPr>
+          <p:cNvSpPr>
+            <a:spLocks noGrp="1"/>
+          </p:cNvSpPr>
+          <p:nvPr>
+            <p:ph type="title"/>
+          </p:nvPr>
+        </p:nvSpPr>
+        <p:spPr/>
+        <p:txBody>
+          <a:bodyPr/>
+          <a:lstStyle/>
+          <a:p>
+            <a:r>
+              <a:rPr lang="en-US" dirty="0"/>
+              <a:t>Scope Of study</a:t>
+            </a:r>
+          </a:p>
+        </p:txBody>
+      </p:sp>
+      <p:pic>
+        <p:nvPicPr>
+          <p:cNvPr id="10" name="Picture 9">
+            <a:extLst>
+              <a:ext uri="{FF2B5EF4-FFF2-40B4-BE49-F238E27FC236}">
+                <a16:creationId xmlns:a16="http://schemas.microsoft.com/office/drawing/2014/main" id="{80D9946F-577C-4DC8-8197-4C84F2AC326B}"/>
+              </a:ext>
+            </a:extLst>
+          </p:cNvPr>
+          <p:cNvPicPr>
+            <a:picLocks noChangeAspect="1"/>
+          </p:cNvPicPr>
+          <p:nvPr/>
+        </p:nvPicPr>
+        <p:blipFill>
+          <a:blip r:embed="rId2"/>
+          <a:stretch>
+            <a:fillRect/>
+          </a:stretch>
+        </p:blipFill>
+        <p:spPr>
+          <a:xfrm>
+            <a:off x="6248400" y="2579741"/>
+            <a:ext cx="5232400" cy="1698518"/>
+          </a:xfrm>
+          <a:prstGeom prst="rect">
+            <a:avLst/>
+          </a:prstGeom>
+        </p:spPr>
+      </p:pic>
+    </p:spTree>
+    <p:extLst>
+      <p:ext uri="{BB962C8B-B14F-4D97-AF65-F5344CB8AC3E}">
+        <p14:creationId xmlns:p14="http://schemas.microsoft.com/office/powerpoint/2010/main" val="1369953818"/>
+      </p:ext>
+    </p:extLst>
+  </p:cSld>
+  <p:clrMapOvr>
+    <a:masterClrMapping/>
+  </p:clrMapOvr>
+</p:sld>
+</file>
+
+<file path=ppt/slides/slide6.xml><?xml version="1.0" encoding="utf-8"?>
+<p:sld xmlns:a="http://schemas.openxmlformats.org/drawingml/2006/main" xmlns:r="http://schemas.openxmlformats.org/officeDocument/2006/relationships" xmlns:p="http://schemas.openxmlformats.org/presentationml/2006/main">
+  <p:cSld>
+    <p:spTree>
+      <p:nvGrpSpPr>
+        <p:cNvPr id="1" name=""/>
+        <p:cNvGrpSpPr/>
+        <p:nvPr/>
+      </p:nvGrpSpPr>
+      <p:grpSpPr>
+        <a:xfrm>
+          <a:off x="0" y="0"/>
+          <a:ext cx="0" cy="0"/>
+          <a:chOff x="0" y="0"/>
+          <a:chExt cx="0" cy="0"/>
+        </a:xfrm>
+      </p:grpSpPr>
+      <p:sp>
+        <p:nvSpPr>
+          <p:cNvPr id="4" name="Title 3">
+            <a:extLst>
+              <a:ext uri="{FF2B5EF4-FFF2-40B4-BE49-F238E27FC236}">
+                <a16:creationId xmlns:a16="http://schemas.microsoft.com/office/drawing/2014/main" id="{53D55D3B-60A8-4853-9312-295533117D7C}"/>
+              </a:ext>
+            </a:extLst>
+          </p:cNvPr>
+          <p:cNvSpPr>
+            <a:spLocks noGrp="1"/>
+          </p:cNvSpPr>
+          <p:nvPr>
+            <p:ph type="title"/>
+          </p:nvPr>
+        </p:nvSpPr>
+        <p:spPr/>
+        <p:txBody>
+          <a:bodyPr/>
+          <a:lstStyle/>
+          <a:p>
+            <a:r>
+              <a:rPr lang="en-US" dirty="0"/>
+              <a:t>Analysis and design</a:t>
+            </a:r>
+          </a:p>
+        </p:txBody>
+      </p:sp>
+      <p:sp>
+        <p:nvSpPr>
+          <p:cNvPr id="5" name="Content Placeholder 4">
+            <a:extLst>
+              <a:ext uri="{FF2B5EF4-FFF2-40B4-BE49-F238E27FC236}">
+                <a16:creationId xmlns:a16="http://schemas.microsoft.com/office/drawing/2014/main" id="{148BDDEA-20B4-4135-95BA-5127D1661CE3}"/>
+              </a:ext>
+            </a:extLst>
+          </p:cNvPr>
+          <p:cNvSpPr>
+            <a:spLocks noGrp="1"/>
+          </p:cNvSpPr>
+          <p:nvPr>
+            <p:ph idx="1"/>
+          </p:nvPr>
+        </p:nvSpPr>
+        <p:spPr>
+          <a:xfrm>
+            <a:off x="715617" y="1969483"/>
+            <a:ext cx="6318388" cy="4084474"/>
+          </a:xfrm>
+        </p:spPr>
+        <p:txBody>
+          <a:bodyPr/>
+          <a:lstStyle/>
+          <a:p>
+            <a:r>
+              <a:rPr lang="en-US" sz="2400" dirty="0">
+                <a:latin typeface="Arial" panose="020B0604020202020204" pitchFamily="34" charset="0"/>
+                <a:cs typeface="Arial" panose="020B0604020202020204" pitchFamily="34" charset="0"/>
+              </a:rPr>
+              <a:t>Flowchart first scene of the game.</a:t>
+            </a:r>
+          </a:p>
+          <a:p>
+            <a:endParaRPr lang="en-US" sz="2400" dirty="0">
+              <a:latin typeface="Arial" panose="020B0604020202020204" pitchFamily="34" charset="0"/>
+              <a:cs typeface="Arial" panose="020B0604020202020204" pitchFamily="34" charset="0"/>
+            </a:endParaRPr>
+          </a:p>
+          <a:p>
+            <a:r>
+              <a:rPr lang="en-US" sz="2400" dirty="0">
+                <a:latin typeface="Arial" panose="020B0604020202020204" pitchFamily="34" charset="0"/>
+                <a:cs typeface="Arial" panose="020B0604020202020204" pitchFamily="34" charset="0"/>
+              </a:rPr>
+              <a:t>Main point :</a:t>
+            </a:r>
+          </a:p>
+          <a:p>
+            <a:pPr marL="666900" lvl="1" indent="-342900">
+              <a:buFont typeface="+mj-lt"/>
+              <a:buAutoNum type="arabicPeriod"/>
+            </a:pPr>
+            <a:r>
+              <a:rPr lang="en-US" sz="2200" dirty="0">
+                <a:latin typeface="Arial" panose="020B0604020202020204" pitchFamily="34" charset="0"/>
+                <a:cs typeface="Arial" panose="020B0604020202020204" pitchFamily="34" charset="0"/>
+              </a:rPr>
+              <a:t>Checking the internet connection </a:t>
+            </a:r>
+          </a:p>
+          <a:p>
+            <a:pPr marL="666900" lvl="1" indent="-342900">
+              <a:buFont typeface="+mj-lt"/>
+              <a:buAutoNum type="arabicPeriod"/>
+            </a:pPr>
+            <a:r>
+              <a:rPr lang="en-US" sz="2200" dirty="0">
+                <a:latin typeface="Arial" panose="020B0604020202020204" pitchFamily="34" charset="0"/>
+                <a:cs typeface="Arial" panose="020B0604020202020204" pitchFamily="34" charset="0"/>
+              </a:rPr>
+              <a:t>Checking device id and compare to server </a:t>
+            </a:r>
+          </a:p>
+          <a:p>
+            <a:endParaRPr lang="en-US" dirty="0"/>
+          </a:p>
+        </p:txBody>
+      </p:sp>
+      <p:sp>
+        <p:nvSpPr>
+          <p:cNvPr id="6" name="Rectangle 2">
+            <a:extLst>
+              <a:ext uri="{FF2B5EF4-FFF2-40B4-BE49-F238E27FC236}">
+                <a16:creationId xmlns:a16="http://schemas.microsoft.com/office/drawing/2014/main" id="{2DCB6482-9C06-480A-8A91-0225FDF67A69}"/>
+              </a:ext>
+            </a:extLst>
+          </p:cNvPr>
+          <p:cNvSpPr>
+            <a:spLocks noChangeArrowheads="1"/>
+          </p:cNvSpPr>
+          <p:nvPr/>
+        </p:nvSpPr>
+        <p:spPr bwMode="auto">
+          <a:xfrm>
+            <a:off x="715617" y="1335819"/>
+            <a:ext cx="12192000" cy="0"/>
+          </a:xfrm>
+          <a:prstGeom prst="rect">
+            <a:avLst/>
+          </a:prstGeom>
+          <a:noFill/>
+          <a:ln>
+            <a:noFill/>
+          </a:ln>
+          <a:effectLst/>
+          <a:extLst>
+            <a:ext uri="{909E8E84-426E-40DD-AFC4-6F175D3DCCD1}">
+              <a14:hiddenFill xmlns:a14="http://schemas.microsoft.com/office/drawing/2010/main">
+                <a:solidFill>
+                  <a:schemeClr val="accent1"/>
+                </a:solidFill>
+              </a14:hiddenFill>
+            </a:ext>
+            <a:ext uri="{91240B29-F687-4F45-9708-019B960494DF}">
+              <a14:hiddenLine xmlns:a14="http://schemas.microsoft.com/office/drawing/2010/main" w="9525">
+                <a:solidFill>
+                  <a:schemeClr val="tx1"/>
+                </a:solidFill>
+                <a:miter lim="800000"/>
+                <a:headEnd/>
+                <a:tailEnd/>
+              </a14:hiddenLine>
+            </a:ext>
+            <a:ext uri="{AF507438-7753-43E0-B8FC-AC1667EBCBE1}">
+              <a14:hiddenEffects xmlns:a14="http://schemas.microsoft.com/office/drawing/2010/main">
+                <a:effectLst>
+                  <a:outerShdw dist="35921" dir="2700000" algn="ctr" rotWithShape="0">
+                    <a:schemeClr val="bg2"/>
+                  </a:outerShdw>
+                </a:effectLst>
+              </a14:hiddenEffects>
+            </a:ext>
+          </a:extLst>
+        </p:spPr>
+        <p:txBody>
+          <a:bodyPr vert="horz" wrap="none" lIns="91440" tIns="45720" rIns="91440" bIns="45720" numCol="1" anchor="ctr" anchorCtr="0" compatLnSpc="1">
+            <a:prstTxWarp prst="textNoShape">
+              <a:avLst/>
+            </a:prstTxWarp>
+            <a:spAutoFit/>
+          </a:bodyPr>
+          <a:lstStyle/>
+          <a:p>
+            <a:endParaRPr lang="en-US"/>
+          </a:p>
+        </p:txBody>
+      </p:sp>
+      <p:pic>
+        <p:nvPicPr>
+          <p:cNvPr id="3" name="Picture 2">
+            <a:extLst>
+              <a:ext uri="{FF2B5EF4-FFF2-40B4-BE49-F238E27FC236}">
+                <a16:creationId xmlns:a16="http://schemas.microsoft.com/office/drawing/2014/main" id="{8C6E1CF3-538E-4E90-8CEA-4CBD8E22E68A}"/>
+              </a:ext>
+            </a:extLst>
+          </p:cNvPr>
+          <p:cNvPicPr>
+            <a:picLocks noChangeAspect="1"/>
+          </p:cNvPicPr>
+          <p:nvPr/>
+        </p:nvPicPr>
+        <p:blipFill>
+          <a:blip r:embed="rId3"/>
+          <a:stretch>
+            <a:fillRect/>
+          </a:stretch>
+        </p:blipFill>
+        <p:spPr>
+          <a:xfrm>
+            <a:off x="6765154" y="320346"/>
+            <a:ext cx="5104953" cy="6323180"/>
+          </a:xfrm>
+          <a:prstGeom prst="rect">
+            <a:avLst/>
+          </a:prstGeom>
+        </p:spPr>
+      </p:pic>
+    </p:spTree>
+    <p:extLst>
+      <p:ext uri="{BB962C8B-B14F-4D97-AF65-F5344CB8AC3E}">
+        <p14:creationId xmlns:p14="http://schemas.microsoft.com/office/powerpoint/2010/main" val="3766439872"/>
+      </p:ext>
+    </p:extLst>
+  </p:cSld>
+  <p:clrMapOvr>
+    <a:masterClrMapping/>
+  </p:clrMapOvr>
+</p:sld>
+</file>
+
+<file path=ppt/slides/slide7.xml><?xml version="1.0" encoding="utf-8"?>
+<p:sld xmlns:a="http://schemas.openxmlformats.org/drawingml/2006/main" xmlns:r="http://schemas.openxmlformats.org/officeDocument/2006/relationships" xmlns:p="http://schemas.openxmlformats.org/presentationml/2006/main">
+  <p:cSld>
+    <p:spTree>
+      <p:nvGrpSpPr>
+        <p:cNvPr id="1" name=""/>
+        <p:cNvGrpSpPr/>
+        <p:nvPr/>
+      </p:nvGrpSpPr>
+      <p:grpSpPr>
+        <a:xfrm>
+          <a:off x="0" y="0"/>
+          <a:ext cx="0" cy="0"/>
+          <a:chOff x="0" y="0"/>
+          <a:chExt cx="0" cy="0"/>
+        </a:xfrm>
+      </p:grpSpPr>
+      <p:sp>
+        <p:nvSpPr>
+          <p:cNvPr id="4" name="Title 3">
+            <a:extLst>
+              <a:ext uri="{FF2B5EF4-FFF2-40B4-BE49-F238E27FC236}">
+                <a16:creationId xmlns:a16="http://schemas.microsoft.com/office/drawing/2014/main" id="{53D55D3B-60A8-4853-9312-295533117D7C}"/>
+              </a:ext>
+            </a:extLst>
+          </p:cNvPr>
+          <p:cNvSpPr>
+            <a:spLocks noGrp="1"/>
+          </p:cNvSpPr>
+          <p:nvPr>
+            <p:ph type="title"/>
+          </p:nvPr>
+        </p:nvSpPr>
+        <p:spPr/>
+        <p:txBody>
+          <a:bodyPr/>
+          <a:lstStyle/>
+          <a:p>
+            <a:r>
+              <a:rPr lang="en-US" dirty="0"/>
+              <a:t>Analysis and design</a:t>
+            </a:r>
+          </a:p>
+        </p:txBody>
+      </p:sp>
+      <p:sp>
+        <p:nvSpPr>
+          <p:cNvPr id="5" name="Content Placeholder 4">
+            <a:extLst>
+              <a:ext uri="{FF2B5EF4-FFF2-40B4-BE49-F238E27FC236}">
+                <a16:creationId xmlns:a16="http://schemas.microsoft.com/office/drawing/2014/main" id="{148BDDEA-20B4-4135-95BA-5127D1661CE3}"/>
+              </a:ext>
+            </a:extLst>
+          </p:cNvPr>
+          <p:cNvSpPr>
+            <a:spLocks noGrp="1"/>
+          </p:cNvSpPr>
+          <p:nvPr>
+            <p:ph idx="1"/>
+          </p:nvPr>
+        </p:nvSpPr>
+        <p:spPr>
+          <a:xfrm>
+            <a:off x="581192" y="1612418"/>
+            <a:ext cx="5862014" cy="4084474"/>
+          </a:xfrm>
+        </p:spPr>
+        <p:txBody>
+          <a:bodyPr/>
+          <a:lstStyle/>
+          <a:p>
+            <a:r>
+              <a:rPr lang="en-US" sz="2400" dirty="0">
+                <a:latin typeface="Arial" panose="020B0604020202020204" pitchFamily="34" charset="0"/>
+                <a:cs typeface="Arial" panose="020B0604020202020204" pitchFamily="34" charset="0"/>
+              </a:rPr>
+              <a:t>Flowchart Log In Scene</a:t>
+            </a:r>
+          </a:p>
+          <a:p>
+            <a:endParaRPr lang="en-US" sz="2400" dirty="0">
+              <a:latin typeface="Arial" panose="020B0604020202020204" pitchFamily="34" charset="0"/>
+              <a:cs typeface="Arial" panose="020B0604020202020204" pitchFamily="34" charset="0"/>
+            </a:endParaRPr>
+          </a:p>
+        </p:txBody>
+      </p:sp>
+      <p:sp>
+        <p:nvSpPr>
+          <p:cNvPr id="6" name="Rectangle 2">
+            <a:extLst>
+              <a:ext uri="{FF2B5EF4-FFF2-40B4-BE49-F238E27FC236}">
+                <a16:creationId xmlns:a16="http://schemas.microsoft.com/office/drawing/2014/main" id="{2DCB6482-9C06-480A-8A91-0225FDF67A69}"/>
+              </a:ext>
+            </a:extLst>
+          </p:cNvPr>
+          <p:cNvSpPr>
+            <a:spLocks noChangeArrowheads="1"/>
+          </p:cNvSpPr>
+          <p:nvPr/>
+        </p:nvSpPr>
+        <p:spPr bwMode="auto">
+          <a:xfrm>
+            <a:off x="715617" y="1335819"/>
+            <a:ext cx="12192000" cy="0"/>
+          </a:xfrm>
+          <a:prstGeom prst="rect">
+            <a:avLst/>
+          </a:prstGeom>
+          <a:noFill/>
+          <a:ln>
+            <a:noFill/>
+          </a:ln>
+          <a:effectLst/>
+          <a:extLst>
+            <a:ext uri="{909E8E84-426E-40DD-AFC4-6F175D3DCCD1}">
+              <a14:hiddenFill xmlns:a14="http://schemas.microsoft.com/office/drawing/2010/main">
+                <a:solidFill>
+                  <a:schemeClr val="accent1"/>
+                </a:solidFill>
+              </a14:hiddenFill>
+            </a:ext>
+            <a:ext uri="{91240B29-F687-4F45-9708-019B960494DF}">
+              <a14:hiddenLine xmlns:a14="http://schemas.microsoft.com/office/drawing/2010/main" w="9525">
+                <a:solidFill>
+                  <a:schemeClr val="tx1"/>
+                </a:solidFill>
+                <a:miter lim="800000"/>
+                <a:headEnd/>
+                <a:tailEnd/>
+              </a14:hiddenLine>
+            </a:ext>
+            <a:ext uri="{AF507438-7753-43E0-B8FC-AC1667EBCBE1}">
+              <a14:hiddenEffects xmlns:a14="http://schemas.microsoft.com/office/drawing/2010/main">
+                <a:effectLst>
+                  <a:outerShdw dist="35921" dir="2700000" algn="ctr" rotWithShape="0">
+                    <a:schemeClr val="bg2"/>
+                  </a:outerShdw>
+                </a:effectLst>
+              </a14:hiddenEffects>
+            </a:ext>
+          </a:extLst>
+        </p:spPr>
+        <p:txBody>
+          <a:bodyPr vert="horz" wrap="none" lIns="91440" tIns="45720" rIns="91440" bIns="45720" numCol="1" anchor="ctr" anchorCtr="0" compatLnSpc="1">
+            <a:prstTxWarp prst="textNoShape">
+              <a:avLst/>
+            </a:prstTxWarp>
+            <a:spAutoFit/>
+          </a:bodyPr>
+          <a:lstStyle/>
+          <a:p>
+            <a:endParaRPr lang="en-US"/>
+          </a:p>
+        </p:txBody>
+      </p:sp>
+      <p:sp>
+        <p:nvSpPr>
+          <p:cNvPr id="2" name="Rectangle 2">
+            <a:extLst>
+              <a:ext uri="{FF2B5EF4-FFF2-40B4-BE49-F238E27FC236}">
+                <a16:creationId xmlns:a16="http://schemas.microsoft.com/office/drawing/2014/main" id="{1E51FCC1-D719-4F57-81BF-84B3C63B2528}"/>
+              </a:ext>
+            </a:extLst>
+          </p:cNvPr>
+          <p:cNvSpPr>
+            <a:spLocks noChangeArrowheads="1"/>
+          </p:cNvSpPr>
+          <p:nvPr/>
+        </p:nvSpPr>
+        <p:spPr bwMode="auto">
+          <a:xfrm>
+            <a:off x="581192" y="1612418"/>
+            <a:ext cx="13614178" cy="45719"/>
+          </a:xfrm>
+          <a:prstGeom prst="rect">
+            <a:avLst/>
+          </a:prstGeom>
+          <a:noFill/>
+          <a:ln>
+            <a:noFill/>
+          </a:ln>
+          <a:effectLst/>
+          <a:extLst>
+            <a:ext uri="{909E8E84-426E-40DD-AFC4-6F175D3DCCD1}">
+              <a14:hiddenFill xmlns:a14="http://schemas.microsoft.com/office/drawing/2010/main">
+                <a:solidFill>
+                  <a:schemeClr val="accent1"/>
+                </a:solidFill>
+              </a14:hiddenFill>
+            </a:ext>
+            <a:ext uri="{91240B29-F687-4F45-9708-019B960494DF}">
+              <a14:hiddenLine xmlns:a14="http://schemas.microsoft.com/office/drawing/2010/main" w="9525">
+                <a:solidFill>
+                  <a:schemeClr val="tx1"/>
+                </a:solidFill>
+                <a:miter lim="800000"/>
+                <a:headEnd/>
+                <a:tailEnd/>
+              </a14:hiddenLine>
+            </a:ext>
+            <a:ext uri="{AF507438-7753-43E0-B8FC-AC1667EBCBE1}">
+              <a14:hiddenEffects xmlns:a14="http://schemas.microsoft.com/office/drawing/2010/main">
+                <a:effectLst>
+                  <a:outerShdw dist="35921" dir="2700000" algn="ctr" rotWithShape="0">
+                    <a:schemeClr val="bg2"/>
+                  </a:outerShdw>
+                </a:effectLst>
+              </a14:hiddenEffects>
+            </a:ext>
+          </a:extLst>
+        </p:spPr>
+        <p:txBody>
           <a:bodyPr vert="horz" wrap="square" lIns="91440" tIns="45720" rIns="91440" bIns="45720" numCol="1" anchor="ctr" anchorCtr="0" compatLnSpc="1">
             <a:prstTxWarp prst="textNoShape">
               <a:avLst/>
@@ -11505,12 +12054,12 @@
           <a:graphicData uri="http://schemas.openxmlformats.org/presentationml/2006/ole">
             <mc:AlternateContent xmlns:mc="http://schemas.openxmlformats.org/markup-compatibility/2006">
               <mc:Choice xmlns:v="urn:schemas-microsoft-com:vml" Requires="v">
-                <p:oleObj name="Visio" r:id="rId2" imgW="3253563" imgH="5402266" progId="Visio.Drawing.15">
+                <p:oleObj spid="_x0000_s1029" name="Visio" r:id="rId3" imgW="3253563" imgH="5402266" progId="Visio.Drawing.15">
                   <p:embed/>
                 </p:oleObj>
               </mc:Choice>
               <mc:Fallback>
-                <p:oleObj name="Visio" r:id="rId2" imgW="3253563" imgH="5402266" progId="Visio.Drawing.15">
+                <p:oleObj name="Visio" r:id="rId3" imgW="3253563" imgH="5402266" progId="Visio.Drawing.15">
                   <p:embed/>
                   <p:pic>
                     <p:nvPicPr>
@@ -11521,7 +12070,7 @@
                       <p:nvPr/>
                     </p:nvPicPr>
                     <p:blipFill>
-                      <a:blip r:embed="rId3">
+                      <a:blip r:embed="rId4">
                         <a:extLst>
                           <a:ext uri="{28A0092B-C50C-407E-A947-70E740481C1C}">
                             <a14:useLocalDpi xmlns:a14="http://schemas.microsoft.com/office/drawing/2010/main" val="0"/>
@@ -12189,12 +12738,12 @@
           <a:graphicData uri="http://schemas.openxmlformats.org/presentationml/2006/ole">
             <mc:AlternateContent xmlns:mc="http://schemas.openxmlformats.org/markup-compatibility/2006">
               <mc:Choice xmlns:v="urn:schemas-microsoft-com:vml" Requires="v">
-                <p:oleObj name="Visio" r:id="rId2" imgW="3794547" imgH="5775567" progId="Visio.Drawing.15">
+                <p:oleObj spid="_x0000_s2053" name="Visio" r:id="rId3" imgW="3794547" imgH="5775567" progId="Visio.Drawing.15">
                   <p:embed/>
                 </p:oleObj>
               </mc:Choice>
               <mc:Fallback>
-                <p:oleObj name="Visio" r:id="rId2" imgW="3794547" imgH="5775567" progId="Visio.Drawing.15">
+                <p:oleObj name="Visio" r:id="rId3" imgW="3794547" imgH="5775567" progId="Visio.Drawing.15">
                   <p:embed/>
                   <p:pic>
                     <p:nvPicPr>
@@ -12211,7 +12760,7 @@
                       <p:nvPr/>
                     </p:nvPicPr>
                     <p:blipFill>
-                      <a:blip r:embed="rId3">
+                      <a:blip r:embed="rId4">
                         <a:extLst>
                           <a:ext uri="{28A0092B-C50C-407E-A947-70E740481C1C}">
                             <a14:useLocalDpi xmlns:a14="http://schemas.microsoft.com/office/drawing/2010/main" val="0"/>
@@ -13109,21 +13658,21 @@
 </file>
 
 <file path=customXml/item1.xml><?xml version="1.0" encoding="utf-8"?>
+<p:properties xmlns:p="http://schemas.microsoft.com/office/2006/metadata/properties" xmlns:xsi="http://www.w3.org/2001/XMLSchema-instance" xmlns:pc="http://schemas.microsoft.com/office/infopath/2007/PartnerControls">
+  <documentManagement>
+    <Status xmlns="71af3243-3dd4-4a8d-8c0d-dd76da1f02a5">Not started</Status>
+    <MediaServiceKeyPoints xmlns="71af3243-3dd4-4a8d-8c0d-dd76da1f02a5" xsi:nil="true"/>
+  </documentManagement>
+</p:properties>
+</file>
+
+<file path=customXml/item2.xml><?xml version="1.0" encoding="utf-8"?>
 <?mso-contentType ?>
 <FormTemplates xmlns="http://schemas.microsoft.com/sharepoint/v3/contenttype/forms">
   <Display>DocumentLibraryForm</Display>
   <Edit>DocumentLibraryForm</Edit>
   <New>DocumentLibraryForm</New>
 </FormTemplates>
-</file>
-
-<file path=customXml/item2.xml><?xml version="1.0" encoding="utf-8"?>
-<p:properties xmlns:p="http://schemas.microsoft.com/office/2006/metadata/properties" xmlns:xsi="http://www.w3.org/2001/XMLSchema-instance" xmlns:pc="http://schemas.microsoft.com/office/infopath/2007/PartnerControls">
-  <documentManagement>
-    <Status xmlns="71af3243-3dd4-4a8d-8c0d-dd76da1f02a5">Not started</Status>
-    <MediaServiceKeyPoints xmlns="71af3243-3dd4-4a8d-8c0d-dd76da1f02a5" xsi:nil="true"/>
-  </documentManagement>
-</p:properties>
 </file>
 
 <file path=customXml/item3.xml><?xml version="1.0" encoding="utf-8"?>
@@ -13348,19 +13897,19 @@
 </file>
 
 <file path=customXml/itemProps1.xml><?xml version="1.0" encoding="utf-8"?>
-<ds:datastoreItem xmlns:ds="http://schemas.openxmlformats.org/officeDocument/2006/customXml" ds:itemID="{8435A0B9-5F49-415F-9BEE-591FDACE98D1}">
+<ds:datastoreItem xmlns:ds="http://schemas.openxmlformats.org/officeDocument/2006/customXml" ds:itemID="{ADC43B05-D266-4257-98DE-FF9D8CEDAE76}">
   <ds:schemaRefs>
-    <ds:schemaRef ds:uri="http://schemas.microsoft.com/sharepoint/v3/contenttype/forms"/>
+    <ds:schemaRef ds:uri="http://schemas.microsoft.com/office/2006/metadata/properties"/>
+    <ds:schemaRef ds:uri="http://schemas.microsoft.com/office/infopath/2007/PartnerControls"/>
+    <ds:schemaRef ds:uri="71af3243-3dd4-4a8d-8c0d-dd76da1f02a5"/>
   </ds:schemaRefs>
 </ds:datastoreItem>
 </file>
 
 <file path=customXml/itemProps2.xml><?xml version="1.0" encoding="utf-8"?>
-<ds:datastoreItem xmlns:ds="http://schemas.openxmlformats.org/officeDocument/2006/customXml" ds:itemID="{ADC43B05-D266-4257-98DE-FF9D8CEDAE76}">
+<ds:datastoreItem xmlns:ds="http://schemas.openxmlformats.org/officeDocument/2006/customXml" ds:itemID="{8435A0B9-5F49-415F-9BEE-591FDACE98D1}">
   <ds:schemaRefs>
-    <ds:schemaRef ds:uri="http://schemas.microsoft.com/office/2006/metadata/properties"/>
-    <ds:schemaRef ds:uri="http://schemas.microsoft.com/office/infopath/2007/PartnerControls"/>
-    <ds:schemaRef ds:uri="71af3243-3dd4-4a8d-8c0d-dd76da1f02a5"/>
+    <ds:schemaRef ds:uri="http://schemas.microsoft.com/sharepoint/v3/contenttype/forms"/>
   </ds:schemaRefs>
 </ds:datastoreItem>
 </file>
